--- a/arduinoGUI 0909.pptx
+++ b/arduinoGUI 0909.pptx
@@ -249,7 +249,7 @@
           <a:p>
             <a:fld id="{AD42D79A-1597-415A-9248-936F67FB663D}" type="datetimeFigureOut">
               <a:rPr lang="zh-TW" altLang="en-US" smtClean="0"/>
-              <a:t>2024/9/5</a:t>
+              <a:t>2024/9/18</a:t>
             </a:fld>
             <a:endParaRPr lang="zh-TW" altLang="en-US"/>
           </a:p>
@@ -667,7 +667,7 @@
           <a:p>
             <a:fld id="{FF1EA293-4A89-482D-8032-42652C6274E2}" type="datetime1">
               <a:rPr lang="zh-TW" altLang="en-US" smtClean="0"/>
-              <a:t>2024/9/5</a:t>
+              <a:t>2024/9/18</a:t>
             </a:fld>
             <a:endParaRPr lang="zh-TW" altLang="en-US"/>
           </a:p>
@@ -974,7 +974,7 @@
           <a:p>
             <a:fld id="{6A60A03D-AB8A-4294-977F-CC373D9DE905}" type="datetime1">
               <a:rPr lang="zh-TW" altLang="en-US" smtClean="0"/>
-              <a:t>2024/9/5</a:t>
+              <a:t>2024/9/18</a:t>
             </a:fld>
             <a:endParaRPr lang="zh-TW" altLang="en-US"/>
           </a:p>
@@ -1182,7 +1182,7 @@
           <a:p>
             <a:fld id="{7A05E4F5-54F5-45E6-9280-CA1926EA1289}" type="datetime1">
               <a:rPr lang="zh-TW" altLang="en-US" smtClean="0"/>
-              <a:t>2024/9/5</a:t>
+              <a:t>2024/9/18</a:t>
             </a:fld>
             <a:endParaRPr lang="zh-TW" altLang="en-US"/>
           </a:p>
@@ -1420,7 +1420,7 @@
           <a:p>
             <a:fld id="{FB55E30B-C7BD-4417-B5DB-DF39134549F2}" type="datetime1">
               <a:rPr lang="zh-TW" altLang="en-US" smtClean="0"/>
-              <a:t>2024/9/5</a:t>
+              <a:t>2024/9/18</a:t>
             </a:fld>
             <a:endParaRPr lang="zh-TW" altLang="en-US"/>
           </a:p>
@@ -1804,7 +1804,7 @@
           <a:p>
             <a:fld id="{EA819762-940D-44F0-9720-B673AB317171}" type="datetime1">
               <a:rPr lang="zh-TW" altLang="en-US" smtClean="0"/>
-              <a:t>2024/9/5</a:t>
+              <a:t>2024/9/18</a:t>
             </a:fld>
             <a:endParaRPr lang="zh-TW" altLang="en-US"/>
           </a:p>
@@ -2069,7 +2069,7 @@
           <a:p>
             <a:fld id="{A0867185-AECE-4F65-B425-A1B779EE1463}" type="datetime1">
               <a:rPr lang="zh-TW" altLang="en-US" smtClean="0"/>
-              <a:t>2024/9/5</a:t>
+              <a:t>2024/9/18</a:t>
             </a:fld>
             <a:endParaRPr lang="zh-TW" altLang="en-US"/>
           </a:p>
@@ -2481,7 +2481,7 @@
           <a:p>
             <a:fld id="{82EAE8FB-17FE-47F6-846D-A102EBE5463C}" type="datetime1">
               <a:rPr lang="zh-TW" altLang="en-US" smtClean="0"/>
-              <a:t>2024/9/5</a:t>
+              <a:t>2024/9/18</a:t>
             </a:fld>
             <a:endParaRPr lang="zh-TW" altLang="en-US"/>
           </a:p>
@@ -2630,7 +2630,7 @@
           <a:p>
             <a:fld id="{7B57B583-1027-45C4-8808-B86F1E68994A}" type="datetime1">
               <a:rPr lang="zh-TW" altLang="en-US" smtClean="0"/>
-              <a:t>2024/9/5</a:t>
+              <a:t>2024/9/18</a:t>
             </a:fld>
             <a:endParaRPr lang="zh-TW" altLang="en-US"/>
           </a:p>
@@ -2852,7 +2852,7 @@
           <a:p>
             <a:fld id="{9F2BE184-4BD6-44F9-AFCD-6D2BD4FA0A4F}" type="datetime1">
               <a:rPr lang="zh-TW" altLang="en-US" smtClean="0"/>
-              <a:t>2024/9/5</a:t>
+              <a:t>2024/9/18</a:t>
             </a:fld>
             <a:endParaRPr lang="zh-TW" altLang="en-US"/>
           </a:p>
@@ -3272,7 +3272,7 @@
           <a:p>
             <a:fld id="{60E2B5C3-0573-4140-A5EC-0DE6939EB31A}" type="datetime1">
               <a:rPr lang="zh-TW" altLang="en-US" smtClean="0"/>
-              <a:t>2024/9/5</a:t>
+              <a:t>2024/9/18</a:t>
             </a:fld>
             <a:endParaRPr lang="zh-TW" altLang="en-US"/>
           </a:p>
@@ -3563,7 +3563,7 @@
           <a:p>
             <a:fld id="{60451F88-D876-49AC-A35C-28EDA8C6F066}" type="datetime1">
               <a:rPr lang="zh-TW" altLang="en-US" smtClean="0"/>
-              <a:t>2024/9/5</a:t>
+              <a:t>2024/9/18</a:t>
             </a:fld>
             <a:endParaRPr lang="zh-TW" altLang="en-US"/>
           </a:p>
@@ -3804,7 +3804,7 @@
           <a:p>
             <a:fld id="{25F84F87-4806-49B4-BACB-CCAD05B20FAF}" type="datetime1">
               <a:rPr lang="zh-TW" altLang="en-US" smtClean="0"/>
-              <a:t>2024/9/5</a:t>
+              <a:t>2024/9/18</a:t>
             </a:fld>
             <a:endParaRPr lang="zh-TW" altLang="en-US"/>
           </a:p>
@@ -10812,6 +10812,77 @@
           </a:p>
         </p:txBody>
       </p:sp>
+      <p:pic>
+        <p:nvPicPr>
+          <p:cNvPr id="6" name="內容版面配置區 5">
+            <a:extLst>
+              <a:ext uri="{FF2B5EF4-FFF2-40B4-BE49-F238E27FC236}">
+                <a16:creationId xmlns:a16="http://schemas.microsoft.com/office/drawing/2014/main" id="{7EF53F1B-3E2B-4E4E-8668-E2A47B33BF2B}"/>
+              </a:ext>
+            </a:extLst>
+          </p:cNvPr>
+          <p:cNvPicPr>
+            <a:picLocks noChangeAspect="1"/>
+          </p:cNvPicPr>
+          <p:nvPr/>
+        </p:nvPicPr>
+        <p:blipFill>
+          <a:blip r:embed="rId4">
+            <a:extLst>
+              <a:ext uri="{28A0092B-C50C-407E-A947-70E740481C1C}">
+                <a14:useLocalDpi xmlns:a14="http://schemas.microsoft.com/office/drawing/2010/main" val="0"/>
+              </a:ext>
+            </a:extLst>
+          </a:blip>
+          <a:stretch>
+            <a:fillRect/>
+          </a:stretch>
+        </p:blipFill>
+        <p:spPr>
+          <a:xfrm>
+            <a:off x="7371793" y="1445975"/>
+            <a:ext cx="3982006" cy="1143160"/>
+          </a:xfrm>
+          <a:prstGeom prst="rect">
+            <a:avLst/>
+          </a:prstGeom>
+        </p:spPr>
+      </p:pic>
+      <p:pic>
+        <p:nvPicPr>
+          <p:cNvPr id="7" name="圖片 6">
+            <a:extLst>
+              <a:ext uri="{FF2B5EF4-FFF2-40B4-BE49-F238E27FC236}">
+                <a16:creationId xmlns:a16="http://schemas.microsoft.com/office/drawing/2014/main" id="{C3C964FC-4EBB-483C-A6E5-8BAC61B88C66}"/>
+              </a:ext>
+            </a:extLst>
+          </p:cNvPr>
+          <p:cNvPicPr>
+            <a:picLocks noChangeAspect="1"/>
+          </p:cNvPicPr>
+          <p:nvPr/>
+        </p:nvPicPr>
+        <p:blipFill rotWithShape="1">
+          <a:blip r:embed="rId5">
+            <a:extLst>
+              <a:ext uri="{28A0092B-C50C-407E-A947-70E740481C1C}">
+                <a14:useLocalDpi xmlns:a14="http://schemas.microsoft.com/office/drawing/2010/main" val="0"/>
+              </a:ext>
+            </a:extLst>
+          </a:blip>
+          <a:srcRect l="4116"/>
+          <a:stretch/>
+        </p:blipFill>
+        <p:spPr>
+          <a:xfrm>
+            <a:off x="7371793" y="395892"/>
+            <a:ext cx="3973392" cy="1019317"/>
+          </a:xfrm>
+          <a:prstGeom prst="rect">
+            <a:avLst/>
+          </a:prstGeom>
+        </p:spPr>
+      </p:pic>
     </p:spTree>
     <p:extLst>
       <p:ext uri="{BB962C8B-B14F-4D97-AF65-F5344CB8AC3E}">
@@ -12524,7 +12595,9 @@
         </p:nvSpPr>
         <p:spPr/>
         <p:txBody>
-          <a:bodyPr/>
+          <a:bodyPr>
+            <a:normAutofit fontScale="92500"/>
+          </a:bodyPr>
           <a:lstStyle/>
           <a:p>
             <a:r>
@@ -13883,7 +13956,7 @@
         <p:spPr/>
         <p:txBody>
           <a:bodyPr>
-            <a:normAutofit/>
+            <a:normAutofit fontScale="92500"/>
           </a:bodyPr>
           <a:lstStyle/>
           <a:p>

--- a/arduinoGUI 0909.pptx
+++ b/arduinoGUI 0909.pptx
@@ -249,7 +249,7 @@
           <a:p>
             <a:fld id="{AD42D79A-1597-415A-9248-936F67FB663D}" type="datetimeFigureOut">
               <a:rPr lang="zh-TW" altLang="en-US" smtClean="0"/>
-              <a:t>2024/9/18</a:t>
+              <a:t>2024/10/4</a:t>
             </a:fld>
             <a:endParaRPr lang="zh-TW" altLang="en-US"/>
           </a:p>
@@ -667,7 +667,7 @@
           <a:p>
             <a:fld id="{FF1EA293-4A89-482D-8032-42652C6274E2}" type="datetime1">
               <a:rPr lang="zh-TW" altLang="en-US" smtClean="0"/>
-              <a:t>2024/9/18</a:t>
+              <a:t>2024/10/4</a:t>
             </a:fld>
             <a:endParaRPr lang="zh-TW" altLang="en-US"/>
           </a:p>
@@ -974,7 +974,7 @@
           <a:p>
             <a:fld id="{6A60A03D-AB8A-4294-977F-CC373D9DE905}" type="datetime1">
               <a:rPr lang="zh-TW" altLang="en-US" smtClean="0"/>
-              <a:t>2024/9/18</a:t>
+              <a:t>2024/10/4</a:t>
             </a:fld>
             <a:endParaRPr lang="zh-TW" altLang="en-US"/>
           </a:p>
@@ -1182,7 +1182,7 @@
           <a:p>
             <a:fld id="{7A05E4F5-54F5-45E6-9280-CA1926EA1289}" type="datetime1">
               <a:rPr lang="zh-TW" altLang="en-US" smtClean="0"/>
-              <a:t>2024/9/18</a:t>
+              <a:t>2024/10/4</a:t>
             </a:fld>
             <a:endParaRPr lang="zh-TW" altLang="en-US"/>
           </a:p>
@@ -1420,7 +1420,7 @@
           <a:p>
             <a:fld id="{FB55E30B-C7BD-4417-B5DB-DF39134549F2}" type="datetime1">
               <a:rPr lang="zh-TW" altLang="en-US" smtClean="0"/>
-              <a:t>2024/9/18</a:t>
+              <a:t>2024/10/4</a:t>
             </a:fld>
             <a:endParaRPr lang="zh-TW" altLang="en-US"/>
           </a:p>
@@ -1804,7 +1804,7 @@
           <a:p>
             <a:fld id="{EA819762-940D-44F0-9720-B673AB317171}" type="datetime1">
               <a:rPr lang="zh-TW" altLang="en-US" smtClean="0"/>
-              <a:t>2024/9/18</a:t>
+              <a:t>2024/10/4</a:t>
             </a:fld>
             <a:endParaRPr lang="zh-TW" altLang="en-US"/>
           </a:p>
@@ -2069,7 +2069,7 @@
           <a:p>
             <a:fld id="{A0867185-AECE-4F65-B425-A1B779EE1463}" type="datetime1">
               <a:rPr lang="zh-TW" altLang="en-US" smtClean="0"/>
-              <a:t>2024/9/18</a:t>
+              <a:t>2024/10/4</a:t>
             </a:fld>
             <a:endParaRPr lang="zh-TW" altLang="en-US"/>
           </a:p>
@@ -2481,7 +2481,7 @@
           <a:p>
             <a:fld id="{82EAE8FB-17FE-47F6-846D-A102EBE5463C}" type="datetime1">
               <a:rPr lang="zh-TW" altLang="en-US" smtClean="0"/>
-              <a:t>2024/9/18</a:t>
+              <a:t>2024/10/4</a:t>
             </a:fld>
             <a:endParaRPr lang="zh-TW" altLang="en-US"/>
           </a:p>
@@ -2630,7 +2630,7 @@
           <a:p>
             <a:fld id="{7B57B583-1027-45C4-8808-B86F1E68994A}" type="datetime1">
               <a:rPr lang="zh-TW" altLang="en-US" smtClean="0"/>
-              <a:t>2024/9/18</a:t>
+              <a:t>2024/10/4</a:t>
             </a:fld>
             <a:endParaRPr lang="zh-TW" altLang="en-US"/>
           </a:p>
@@ -2852,7 +2852,7 @@
           <a:p>
             <a:fld id="{9F2BE184-4BD6-44F9-AFCD-6D2BD4FA0A4F}" type="datetime1">
               <a:rPr lang="zh-TW" altLang="en-US" smtClean="0"/>
-              <a:t>2024/9/18</a:t>
+              <a:t>2024/10/4</a:t>
             </a:fld>
             <a:endParaRPr lang="zh-TW" altLang="en-US"/>
           </a:p>
@@ -3272,7 +3272,7 @@
           <a:p>
             <a:fld id="{60E2B5C3-0573-4140-A5EC-0DE6939EB31A}" type="datetime1">
               <a:rPr lang="zh-TW" altLang="en-US" smtClean="0"/>
-              <a:t>2024/9/18</a:t>
+              <a:t>2024/10/4</a:t>
             </a:fld>
             <a:endParaRPr lang="zh-TW" altLang="en-US"/>
           </a:p>
@@ -3563,7 +3563,7 @@
           <a:p>
             <a:fld id="{60451F88-D876-49AC-A35C-28EDA8C6F066}" type="datetime1">
               <a:rPr lang="zh-TW" altLang="en-US" smtClean="0"/>
-              <a:t>2024/9/18</a:t>
+              <a:t>2024/10/4</a:t>
             </a:fld>
             <a:endParaRPr lang="zh-TW" altLang="en-US"/>
           </a:p>
@@ -3804,7 +3804,7 @@
           <a:p>
             <a:fld id="{25F84F87-4806-49B4-BACB-CCAD05B20FAF}" type="datetime1">
               <a:rPr lang="zh-TW" altLang="en-US" smtClean="0"/>
-              <a:t>2024/9/18</a:t>
+              <a:t>2024/10/4</a:t>
             </a:fld>
             <a:endParaRPr lang="zh-TW" altLang="en-US"/>
           </a:p>
@@ -7987,7 +7987,19 @@
           <a:p>
             <a:r>
               <a:rPr lang="zh-TW" altLang="en-US" dirty="0"/>
-              <a:t>控制台→網路和網際網路→檢視網路狀態及工作→乙太網路→內容</a:t>
+              <a:t>控制台→網路和網際網路→檢視網路狀態及工作→</a:t>
+            </a:r>
+            <a:r>
+              <a:rPr lang="en-US" altLang="zh-TW" dirty="0">
+                <a:solidFill>
+                  <a:srgbClr val="FF0000"/>
+                </a:solidFill>
+              </a:rPr>
+              <a:t>Wi-Fi</a:t>
+            </a:r>
+            <a:r>
+              <a:rPr lang="zh-TW" altLang="en-US" dirty="0"/>
+              <a:t>→內容</a:t>
             </a:r>
             <a:endParaRPr lang="en-US" altLang="zh-TW" dirty="0"/>
           </a:p>
@@ -12596,7 +12608,7 @@
         <p:spPr/>
         <p:txBody>
           <a:bodyPr>
-            <a:normAutofit fontScale="92500"/>
+            <a:normAutofit/>
           </a:bodyPr>
           <a:lstStyle/>
           <a:p>
@@ -13956,7 +13968,7 @@
         <p:spPr/>
         <p:txBody>
           <a:bodyPr>
-            <a:normAutofit fontScale="92500"/>
+            <a:normAutofit/>
           </a:bodyPr>
           <a:lstStyle/>
           <a:p>
